--- a/spring13/slides13/trees-spanning.pptx
+++ b/spring13/slides13/trees-spanning.pptx
@@ -1658,13 +1658,13 @@
   <p:clrMapOvr>
     <a:masterClrMapping/>
   </p:clrMapOvr>
-  <mc:AlternateContent xmlns:mc="http://schemas.openxmlformats.org/markup-compatibility/2006">
-    <mc:Choice xmlns:p14="http://schemas.microsoft.com/office/powerpoint/2010/main" Requires="p14">
+  <mc:AlternateContent xmlns:mc="http://schemas.openxmlformats.org/markup-compatibility/2006" xmlns:p14="http://schemas.microsoft.com/office/powerpoint/2010/main">
+    <mc:Choice Requires="p14">
       <p:transition spd="slow" p14:dur="900" advClick="0">
         <p:fade/>
       </p:transition>
     </mc:Choice>
-    <mc:Fallback>
+    <mc:Fallback xmlns="">
       <p:transition xmlns:p14="http://schemas.microsoft.com/office/powerpoint/2010/main" spd="slow" advClick="0">
         <p:fade/>
       </p:transition>
@@ -1809,13 +1809,13 @@
   <p:clrMapOvr>
     <a:masterClrMapping/>
   </p:clrMapOvr>
-  <mc:AlternateContent xmlns:mc="http://schemas.openxmlformats.org/markup-compatibility/2006">
-    <mc:Choice xmlns:p14="http://schemas.microsoft.com/office/powerpoint/2010/main" Requires="p14">
+  <mc:AlternateContent xmlns:mc="http://schemas.openxmlformats.org/markup-compatibility/2006" xmlns:p14="http://schemas.microsoft.com/office/powerpoint/2010/main">
+    <mc:Choice Requires="p14">
       <p:transition spd="slow" p14:dur="900" advClick="0">
         <p:fade/>
       </p:transition>
     </mc:Choice>
-    <mc:Fallback>
+    <mc:Fallback xmlns="">
       <p:transition xmlns:p14="http://schemas.microsoft.com/office/powerpoint/2010/main" spd="slow" advClick="0">
         <p:fade/>
       </p:transition>
@@ -1908,13 +1908,13 @@
   <p:clrMapOvr>
     <a:masterClrMapping/>
   </p:clrMapOvr>
-  <mc:AlternateContent xmlns:mc="http://schemas.openxmlformats.org/markup-compatibility/2006">
-    <mc:Choice xmlns:p14="http://schemas.microsoft.com/office/powerpoint/2010/main" Requires="p14">
+  <mc:AlternateContent xmlns:mc="http://schemas.openxmlformats.org/markup-compatibility/2006" xmlns:p14="http://schemas.microsoft.com/office/powerpoint/2010/main">
+    <mc:Choice Requires="p14">
       <p:transition spd="slow" p14:dur="900" advClick="0">
         <p:fade/>
       </p:transition>
     </mc:Choice>
-    <mc:Fallback>
+    <mc:Fallback xmlns="">
       <p:transition xmlns:p14="http://schemas.microsoft.com/office/powerpoint/2010/main" spd="slow" advClick="0">
         <p:fade/>
       </p:transition>
@@ -1984,13 +1984,13 @@
   <p:clrMapOvr>
     <a:masterClrMapping/>
   </p:clrMapOvr>
-  <mc:AlternateContent xmlns:mc="http://schemas.openxmlformats.org/markup-compatibility/2006">
-    <mc:Choice xmlns:p14="http://schemas.microsoft.com/office/powerpoint/2010/main" Requires="p14">
+  <mc:AlternateContent xmlns:mc="http://schemas.openxmlformats.org/markup-compatibility/2006" xmlns:p14="http://schemas.microsoft.com/office/powerpoint/2010/main">
+    <mc:Choice Requires="p14">
       <p:transition spd="slow" p14:dur="900" advClick="0">
         <p:fade/>
       </p:transition>
     </mc:Choice>
-    <mc:Fallback>
+    <mc:Fallback xmlns="">
       <p:transition xmlns:p14="http://schemas.microsoft.com/office/powerpoint/2010/main" spd="slow" advClick="0">
         <p:fade/>
       </p:transition>
@@ -2200,13 +2200,13 @@
   <p:clrMapOvr>
     <a:masterClrMapping/>
   </p:clrMapOvr>
-  <mc:AlternateContent xmlns:mc="http://schemas.openxmlformats.org/markup-compatibility/2006">
-    <mc:Choice xmlns:p14="http://schemas.microsoft.com/office/powerpoint/2010/main" Requires="p14">
+  <mc:AlternateContent xmlns:mc="http://schemas.openxmlformats.org/markup-compatibility/2006" xmlns:p14="http://schemas.microsoft.com/office/powerpoint/2010/main">
+    <mc:Choice Requires="p14">
       <p:transition spd="slow" p14:dur="900" advClick="0">
         <p:fade/>
       </p:transition>
     </mc:Choice>
-    <mc:Fallback>
+    <mc:Fallback xmlns="">
       <p:transition xmlns:p14="http://schemas.microsoft.com/office/powerpoint/2010/main" spd="slow" advClick="0">
         <p:fade/>
       </p:transition>
@@ -2433,13 +2433,13 @@
   <p:clrMapOvr>
     <a:masterClrMapping/>
   </p:clrMapOvr>
-  <mc:AlternateContent xmlns:mc="http://schemas.openxmlformats.org/markup-compatibility/2006">
-    <mc:Choice xmlns:p14="http://schemas.microsoft.com/office/powerpoint/2010/main" Requires="p14">
+  <mc:AlternateContent xmlns:mc="http://schemas.openxmlformats.org/markup-compatibility/2006" xmlns:p14="http://schemas.microsoft.com/office/powerpoint/2010/main">
+    <mc:Choice Requires="p14">
       <p:transition spd="slow" p14:dur="900" advClick="0">
         <p:fade/>
       </p:transition>
     </mc:Choice>
-    <mc:Fallback>
+    <mc:Fallback xmlns="">
       <p:transition xmlns:p14="http://schemas.microsoft.com/office/powerpoint/2010/main" spd="slow" advClick="0">
         <p:fade/>
       </p:transition>
@@ -2718,13 +2718,7 @@
               <a:rPr lang="en-US" sz="1200" baseline="0" dirty="0" smtClean="0">
                 <a:latin typeface="Comic Sans MS" pitchFamily="66" charset="0"/>
               </a:rPr>
-              <a:t> </a:t>
-            </a:r>
-            <a:r>
-              <a:rPr lang="en-US" sz="1200" baseline="0" dirty="0" smtClean="0">
-                <a:latin typeface="Comic Sans MS" pitchFamily="66" charset="0"/>
-              </a:rPr>
-              <a:t>8,</a:t>
+              <a:t> 8,</a:t>
             </a:r>
             <a:r>
               <a:rPr lang="en-US" sz="1200" dirty="0" smtClean="0">
@@ -2781,13 +2775,13 @@
     <p:sldLayoutId id="2147483682" r:id="rId5"/>
     <p:sldLayoutId id="2147483679" r:id="rId6"/>
   </p:sldLayoutIdLst>
-  <mc:AlternateContent xmlns:mc="http://schemas.openxmlformats.org/markup-compatibility/2006">
-    <mc:Choice xmlns:p14="http://schemas.microsoft.com/office/powerpoint/2010/main" Requires="p14">
+  <mc:AlternateContent xmlns:mc="http://schemas.openxmlformats.org/markup-compatibility/2006" xmlns:p14="http://schemas.microsoft.com/office/powerpoint/2010/main">
+    <mc:Choice Requires="p14">
       <p:transition spd="slow" p14:dur="900" advClick="0">
         <p:fade/>
       </p:transition>
     </mc:Choice>
-    <mc:Fallback>
+    <mc:Fallback xmlns="">
       <p:transition xmlns:p14="http://schemas.microsoft.com/office/powerpoint/2010/main" spd="slow" advClick="0">
         <p:fade/>
       </p:transition>
@@ -3380,11 +3374,11 @@
   <p:clrMapOvr>
     <a:masterClrMapping/>
   </p:clrMapOvr>
-  <mc:AlternateContent xmlns:mc="http://schemas.openxmlformats.org/markup-compatibility/2006">
-    <mc:Choice xmlns:p14="http://schemas.microsoft.com/office/powerpoint/2010/main" Requires="p14">
+  <mc:AlternateContent xmlns:mc="http://schemas.openxmlformats.org/markup-compatibility/2006" xmlns:p14="http://schemas.microsoft.com/office/powerpoint/2010/main">
+    <mc:Choice Requires="p14">
       <p:transition p14:dur="0" advClick="0"/>
     </mc:Choice>
-    <mc:Fallback>
+    <mc:Fallback xmlns="">
       <p:transition xmlns:p14="http://schemas.microsoft.com/office/powerpoint/2010/main" advClick="0"/>
     </mc:Fallback>
   </mc:AlternateContent>
@@ -3563,9 +3557,6 @@
               </a:rPr>
               <a:t>.</a:t>
             </a:r>
-            <a:endParaRPr lang="en-US" altLang="zh-CN" sz="4800" dirty="0" smtClean="0">
-              <a:ea typeface="宋体" pitchFamily="2" charset="-122"/>
-            </a:endParaRPr>
           </a:p>
         </p:txBody>
       </p:sp>
@@ -3604,13 +3595,13 @@
   <p:clrMapOvr>
     <a:masterClrMapping/>
   </p:clrMapOvr>
-  <mc:AlternateContent xmlns:mc="http://schemas.openxmlformats.org/markup-compatibility/2006">
-    <mc:Choice xmlns:p14="http://schemas.microsoft.com/office/powerpoint/2010/main" Requires="p14">
+  <mc:AlternateContent xmlns:mc="http://schemas.openxmlformats.org/markup-compatibility/2006" xmlns:p14="http://schemas.microsoft.com/office/powerpoint/2010/main">
+    <mc:Choice Requires="p14">
       <p:transition spd="slow" p14:dur="800" advClick="0">
         <p:fade thruBlk="1"/>
       </p:transition>
     </mc:Choice>
-    <mc:Fallback>
+    <mc:Fallback xmlns="">
       <p:transition xmlns:p14="http://schemas.microsoft.com/office/powerpoint/2010/main" spd="slow" advClick="0">
         <p:fade thruBlk="1"/>
       </p:transition>
@@ -3888,13 +3879,13 @@
   <p:clrMapOvr>
     <a:masterClrMapping/>
   </p:clrMapOvr>
-  <mc:AlternateContent xmlns:mc="http://schemas.openxmlformats.org/markup-compatibility/2006">
-    <mc:Choice xmlns:p14="http://schemas.microsoft.com/office/powerpoint/2010/main" Requires="p14">
+  <mc:AlternateContent xmlns:mc="http://schemas.openxmlformats.org/markup-compatibility/2006" xmlns:p14="http://schemas.microsoft.com/office/powerpoint/2010/main">
+    <mc:Choice Requires="p14">
       <p:transition spd="slow" p14:dur="900" advClick="0">
         <p:fade/>
       </p:transition>
     </mc:Choice>
-    <mc:Fallback>
+    <mc:Fallback xmlns="">
       <p:transition xmlns:p14="http://schemas.microsoft.com/office/powerpoint/2010/main" spd="slow" advClick="0">
         <p:fade/>
       </p:transition>
@@ -4699,13 +4690,13 @@
   <p:clrMapOvr>
     <a:masterClrMapping/>
   </p:clrMapOvr>
-  <mc:AlternateContent xmlns:mc="http://schemas.openxmlformats.org/markup-compatibility/2006">
-    <mc:Choice xmlns:p14="http://schemas.microsoft.com/office/powerpoint/2010/main" Requires="p14">
+  <mc:AlternateContent xmlns:mc="http://schemas.openxmlformats.org/markup-compatibility/2006" xmlns:p14="http://schemas.microsoft.com/office/powerpoint/2010/main">
+    <mc:Choice Requires="p14">
       <p:transition spd="slow" p14:dur="900" advClick="0">
         <p:fade/>
       </p:transition>
     </mc:Choice>
-    <mc:Fallback>
+    <mc:Fallback xmlns="">
       <p:transition xmlns:p14="http://schemas.microsoft.com/office/powerpoint/2010/main" spd="slow" advClick="0">
         <p:fade/>
       </p:transition>
@@ -5480,13 +5471,13 @@
   <p:clrMapOvr>
     <a:masterClrMapping/>
   </p:clrMapOvr>
-  <mc:AlternateContent xmlns:mc="http://schemas.openxmlformats.org/markup-compatibility/2006">
-    <mc:Choice xmlns:p14="http://schemas.microsoft.com/office/powerpoint/2010/main" Requires="p14">
+  <mc:AlternateContent xmlns:mc="http://schemas.openxmlformats.org/markup-compatibility/2006" xmlns:p14="http://schemas.microsoft.com/office/powerpoint/2010/main">
+    <mc:Choice Requires="p14">
       <p:transition spd="slow" p14:dur="900" advClick="0">
         <p:fade/>
       </p:transition>
     </mc:Choice>
-    <mc:Fallback>
+    <mc:Fallback xmlns="">
       <p:transition xmlns:p14="http://schemas.microsoft.com/office/powerpoint/2010/main" spd="slow" advClick="0">
         <p:fade/>
       </p:transition>
@@ -6279,13 +6270,13 @@
   <p:clrMapOvr>
     <a:masterClrMapping/>
   </p:clrMapOvr>
-  <mc:AlternateContent xmlns:mc="http://schemas.openxmlformats.org/markup-compatibility/2006">
-    <mc:Choice xmlns:p14="http://schemas.microsoft.com/office/powerpoint/2010/main" Requires="p14">
+  <mc:AlternateContent xmlns:mc="http://schemas.openxmlformats.org/markup-compatibility/2006" xmlns:p14="http://schemas.microsoft.com/office/powerpoint/2010/main">
+    <mc:Choice Requires="p14">
       <p:transition spd="slow" p14:dur="900" advClick="0">
         <p:fade/>
       </p:transition>
     </mc:Choice>
-    <mc:Fallback>
+    <mc:Fallback xmlns="">
       <p:transition xmlns:p14="http://schemas.microsoft.com/office/powerpoint/2010/main" spd="slow" advClick="0">
         <p:fade/>
       </p:transition>
@@ -6531,13 +6522,13 @@
   <p:clrMapOvr>
     <a:masterClrMapping/>
   </p:clrMapOvr>
-  <mc:AlternateContent xmlns:mc="http://schemas.openxmlformats.org/markup-compatibility/2006">
-    <mc:Choice xmlns:p14="http://schemas.microsoft.com/office/powerpoint/2010/main" Requires="p14">
+  <mc:AlternateContent xmlns:mc="http://schemas.openxmlformats.org/markup-compatibility/2006" xmlns:p14="http://schemas.microsoft.com/office/powerpoint/2010/main">
+    <mc:Choice Requires="p14">
       <p:transition spd="slow" p14:dur="900" advClick="0">
         <p:fade/>
       </p:transition>
     </mc:Choice>
-    <mc:Fallback>
+    <mc:Fallback xmlns="">
       <p:transition xmlns:p14="http://schemas.microsoft.com/office/powerpoint/2010/main" spd="slow" advClick="0">
         <p:fade/>
       </p:transition>

--- a/spring13/slides13/trees-spanning.pptx
+++ b/spring13/slides13/trees-spanning.pptx
@@ -5120,13 +5120,13 @@
   <p:clrMapOvr>
     <a:masterClrMapping/>
   </p:clrMapOvr>
-  <mc:AlternateContent xmlns:mc="http://schemas.openxmlformats.org/markup-compatibility/2006">
-    <mc:Choice xmlns:p14="http://schemas.microsoft.com/office/powerpoint/2010/main" Requires="p14">
+  <mc:AlternateContent xmlns:mc="http://schemas.openxmlformats.org/markup-compatibility/2006" xmlns:p14="http://schemas.microsoft.com/office/powerpoint/2010/main">
+    <mc:Choice Requires="p14">
       <p:transition spd="slow" p14:dur="1200" advClick="0">
         <p:fade/>
       </p:transition>
     </mc:Choice>
-    <mc:Fallback>
+    <mc:Fallback xmlns="">
       <p:transition xmlns:p14="http://schemas.microsoft.com/office/powerpoint/2010/main" spd="slow" advClick="0">
         <p:fade/>
       </p:transition>
@@ -7254,13 +7254,13 @@
   <p:clrMapOvr>
     <a:masterClrMapping/>
   </p:clrMapOvr>
-  <mc:AlternateContent xmlns:mc="http://schemas.openxmlformats.org/markup-compatibility/2006">
-    <mc:Choice xmlns:p14="http://schemas.microsoft.com/office/powerpoint/2010/main" Requires="p14">
+  <mc:AlternateContent xmlns:mc="http://schemas.openxmlformats.org/markup-compatibility/2006" xmlns:p14="http://schemas.microsoft.com/office/powerpoint/2010/main">
+    <mc:Choice Requires="p14">
       <p:transition spd="med" p14:dur="700" advClick="0">
         <p:fade/>
       </p:transition>
     </mc:Choice>
-    <mc:Fallback>
+    <mc:Fallback xmlns="">
       <p:transition xmlns:p14="http://schemas.microsoft.com/office/powerpoint/2010/main" spd="med" advClick="0">
         <p:fade/>
       </p:transition>
@@ -9074,13 +9074,13 @@
   <p:clrMapOvr>
     <a:masterClrMapping/>
   </p:clrMapOvr>
-  <mc:AlternateContent xmlns:mc="http://schemas.openxmlformats.org/markup-compatibility/2006">
-    <mc:Choice xmlns:p14="http://schemas.microsoft.com/office/powerpoint/2010/main" Requires="p14">
+  <mc:AlternateContent xmlns:mc="http://schemas.openxmlformats.org/markup-compatibility/2006" xmlns:p14="http://schemas.microsoft.com/office/powerpoint/2010/main">
+    <mc:Choice Requires="p14">
       <p:transition spd="med" p14:dur="700" advClick="0">
         <p:fade/>
       </p:transition>
     </mc:Choice>
-    <mc:Fallback>
+    <mc:Fallback xmlns="">
       <p:transition xmlns:p14="http://schemas.microsoft.com/office/powerpoint/2010/main" spd="med" advClick="0">
         <p:fade/>
       </p:transition>
@@ -10021,13 +10021,13 @@
   <p:clrMapOvr>
     <a:masterClrMapping/>
   </p:clrMapOvr>
-  <mc:AlternateContent xmlns:mc="http://schemas.openxmlformats.org/markup-compatibility/2006">
-    <mc:Choice xmlns:p14="http://schemas.microsoft.com/office/powerpoint/2010/main" Requires="p14">
+  <mc:AlternateContent xmlns:mc="http://schemas.openxmlformats.org/markup-compatibility/2006" xmlns:p14="http://schemas.microsoft.com/office/powerpoint/2010/main">
+    <mc:Choice Requires="p14">
       <p:transition spd="med" p14:dur="600" advClick="0">
         <p:fade/>
       </p:transition>
     </mc:Choice>
-    <mc:Fallback>
+    <mc:Fallback xmlns="">
       <p:transition xmlns:p14="http://schemas.microsoft.com/office/powerpoint/2010/main" spd="med" advClick="0">
         <p:fade/>
       </p:transition>
@@ -10926,13 +10926,13 @@
   <p:clrMapOvr>
     <a:masterClrMapping/>
   </p:clrMapOvr>
-  <mc:AlternateContent xmlns:mc="http://schemas.openxmlformats.org/markup-compatibility/2006">
-    <mc:Choice xmlns:p14="http://schemas.microsoft.com/office/powerpoint/2010/main" Requires="p14">
+  <mc:AlternateContent xmlns:mc="http://schemas.openxmlformats.org/markup-compatibility/2006" xmlns:p14="http://schemas.microsoft.com/office/powerpoint/2010/main">
+    <mc:Choice Requires="p14">
       <p:transition spd="med" p14:dur="700" advClick="0">
         <p:fade thruBlk="1"/>
       </p:transition>
     </mc:Choice>
-    <mc:Fallback>
+    <mc:Fallback xmlns="">
       <p:transition xmlns:p14="http://schemas.microsoft.com/office/powerpoint/2010/main" spd="med" advClick="0">
         <p:fade thruBlk="1"/>
       </p:transition>
@@ -11837,13 +11837,13 @@
   <p:clrMapOvr>
     <a:masterClrMapping/>
   </p:clrMapOvr>
-  <mc:AlternateContent xmlns:mc="http://schemas.openxmlformats.org/markup-compatibility/2006">
-    <mc:Choice xmlns:p14="http://schemas.microsoft.com/office/powerpoint/2010/main" Requires="p14">
+  <mc:AlternateContent xmlns:mc="http://schemas.openxmlformats.org/markup-compatibility/2006" xmlns:p14="http://schemas.microsoft.com/office/powerpoint/2010/main">
+    <mc:Choice Requires="p14">
       <p:transition spd="med" p14:dur="700" advClick="0">
         <p:fade/>
       </p:transition>
     </mc:Choice>
-    <mc:Fallback>
+    <mc:Fallback xmlns="">
       <p:transition xmlns:p14="http://schemas.microsoft.com/office/powerpoint/2010/main" spd="med" advClick="0">
         <p:fade/>
       </p:transition>
@@ -12745,13 +12745,13 @@
   <p:clrMapOvr>
     <a:masterClrMapping/>
   </p:clrMapOvr>
-  <mc:AlternateContent xmlns:mc="http://schemas.openxmlformats.org/markup-compatibility/2006">
-    <mc:Choice xmlns:p14="http://schemas.microsoft.com/office/powerpoint/2010/main" Requires="p14">
+  <mc:AlternateContent xmlns:mc="http://schemas.openxmlformats.org/markup-compatibility/2006" xmlns:p14="http://schemas.microsoft.com/office/powerpoint/2010/main">
+    <mc:Choice Requires="p14">
       <p:transition spd="med" p14:dur="700" advClick="0">
         <p:fade/>
       </p:transition>
     </mc:Choice>
-    <mc:Fallback>
+    <mc:Fallback xmlns="">
       <p:transition xmlns:p14="http://schemas.microsoft.com/office/powerpoint/2010/main" spd="med" advClick="0">
         <p:fade/>
       </p:transition>
@@ -13230,12 +13230,9 @@
             <a:avLst/>
           </a:prstGeom>
           <a:noFill/>
-          <a:ln w="50800">
+          <a:ln w="34925">
             <a:solidFill>
-              <a:schemeClr val="tx1">
-                <a:lumMod val="65000"/>
-                <a:lumOff val="35000"/>
-              </a:schemeClr>
+              <a:schemeClr val="tx2"/>
             </a:solidFill>
             <a:round/>
             <a:headEnd/>
@@ -13653,13 +13650,13 @@
   <p:clrMapOvr>
     <a:masterClrMapping/>
   </p:clrMapOvr>
-  <mc:AlternateContent xmlns:mc="http://schemas.openxmlformats.org/markup-compatibility/2006">
-    <mc:Choice xmlns:p14="http://schemas.microsoft.com/office/powerpoint/2010/main" Requires="p14">
+  <mc:AlternateContent xmlns:mc="http://schemas.openxmlformats.org/markup-compatibility/2006" xmlns:p14="http://schemas.microsoft.com/office/powerpoint/2010/main">
+    <mc:Choice Requires="p14">
       <p:transition spd="slow" p14:dur="900" advClick="0">
         <p:fade/>
       </p:transition>
     </mc:Choice>
-    <mc:Fallback>
+    <mc:Fallback xmlns="">
       <p:transition xmlns:p14="http://schemas.microsoft.com/office/powerpoint/2010/main" spd="slow" advClick="0">
         <p:fade/>
       </p:transition>
@@ -14363,12 +14360,9 @@
             <a:avLst/>
           </a:prstGeom>
           <a:noFill/>
-          <a:ln w="50800">
+          <a:ln w="38100">
             <a:solidFill>
-              <a:schemeClr val="tx1">
-                <a:lumMod val="65000"/>
-                <a:lumOff val="35000"/>
-              </a:schemeClr>
+              <a:schemeClr val="tx1"/>
             </a:solidFill>
             <a:round/>
             <a:headEnd/>
@@ -14786,13 +14780,13 @@
   <p:clrMapOvr>
     <a:masterClrMapping/>
   </p:clrMapOvr>
-  <mc:AlternateContent xmlns:mc="http://schemas.openxmlformats.org/markup-compatibility/2006">
-    <mc:Choice xmlns:p14="http://schemas.microsoft.com/office/powerpoint/2010/main" Requires="p14">
+  <mc:AlternateContent xmlns:mc="http://schemas.openxmlformats.org/markup-compatibility/2006" xmlns:p14="http://schemas.microsoft.com/office/powerpoint/2010/main">
+    <mc:Choice Requires="p14">
       <p:transition spd="med" p14:dur="600" advClick="0">
         <p:fade thruBlk="1"/>
       </p:transition>
     </mc:Choice>
-    <mc:Fallback>
+    <mc:Fallback xmlns="">
       <p:transition xmlns:p14="http://schemas.microsoft.com/office/powerpoint/2010/main" spd="med" advClick="0">
         <p:fade thruBlk="1"/>
       </p:transition>
@@ -15704,13 +15698,13 @@
   <p:clrMapOvr>
     <a:masterClrMapping/>
   </p:clrMapOvr>
-  <mc:AlternateContent xmlns:mc="http://schemas.openxmlformats.org/markup-compatibility/2006">
-    <mc:Choice xmlns:p14="http://schemas.microsoft.com/office/powerpoint/2010/main" Requires="p14">
+  <mc:AlternateContent xmlns:mc="http://schemas.openxmlformats.org/markup-compatibility/2006" xmlns:p14="http://schemas.microsoft.com/office/powerpoint/2010/main">
+    <mc:Choice Requires="p14">
       <p:transition spd="slow" p14:dur="800" advClick="0">
         <p:fade thruBlk="1"/>
       </p:transition>
     </mc:Choice>
-    <mc:Fallback>
+    <mc:Fallback xmlns="">
       <p:transition xmlns:p14="http://schemas.microsoft.com/office/powerpoint/2010/main" spd="slow" advClick="0">
         <p:fade thruBlk="1"/>
       </p:transition>
@@ -19420,19 +19414,7 @@
               <a:rPr lang="en-US" altLang="zh-CN" dirty="0" smtClean="0">
                 <a:ea typeface="宋体" pitchFamily="2" charset="-122"/>
               </a:rPr>
-              <a:t>Minimum </a:t>
-            </a:r>
-            <a:r>
-              <a:rPr lang="en-US" altLang="zh-CN" dirty="0" smtClean="0">
-                <a:ea typeface="宋体" pitchFamily="2" charset="-122"/>
-              </a:rPr>
-              <a:t>Weight Spanning </a:t>
-            </a:r>
-            <a:r>
-              <a:rPr lang="en-US" altLang="zh-CN" dirty="0" smtClean="0">
-                <a:ea typeface="宋体" pitchFamily="2" charset="-122"/>
-              </a:rPr>
-              <a:t>Trees</a:t>
+              <a:t>Minimum Weight Spanning Trees</a:t>
             </a:r>
           </a:p>
         </p:txBody>
@@ -20494,13 +20476,13 @@
   <p:clrMapOvr>
     <a:masterClrMapping/>
   </p:clrMapOvr>
-  <mc:AlternateContent xmlns:mc="http://schemas.openxmlformats.org/markup-compatibility/2006">
-    <mc:Choice xmlns:p14="http://schemas.microsoft.com/office/powerpoint/2010/main" Requires="p14">
+  <mc:AlternateContent xmlns:mc="http://schemas.openxmlformats.org/markup-compatibility/2006" xmlns:p14="http://schemas.microsoft.com/office/powerpoint/2010/main">
+    <mc:Choice Requires="p14">
       <p:transition spd="slow" p14:dur="1200" advClick="0">
         <p:fade thruBlk="1"/>
       </p:transition>
     </mc:Choice>
-    <mc:Fallback>
+    <mc:Fallback xmlns="">
       <p:transition xmlns:p14="http://schemas.microsoft.com/office/powerpoint/2010/main" spd="slow" advClick="0">
         <p:fade thruBlk="1"/>
       </p:transition>
